--- a/09_Arbeitsdokumente/DACUS - Executive Summary.pptx
+++ b/09_Arbeitsdokumente/DACUS - Executive Summary.pptx
@@ -5,7 +5,7 @@
     <p:sldMasterId id="2147483744" r:id="rId1"/>
   </p:sldMasterIdLst>
   <p:notesMasterIdLst>
-    <p:notesMasterId r:id="rId16"/>
+    <p:notesMasterId r:id="rId15"/>
   </p:notesMasterIdLst>
   <p:sldIdLst>
     <p:sldId id="256" r:id="rId2"/>
@@ -19,9 +19,8 @@
     <p:sldId id="265" r:id="rId10"/>
     <p:sldId id="266" r:id="rId11"/>
     <p:sldId id="267" r:id="rId12"/>
-    <p:sldId id="268" r:id="rId13"/>
-    <p:sldId id="270" r:id="rId14"/>
-    <p:sldId id="269" r:id="rId15"/>
+    <p:sldId id="270" r:id="rId13"/>
+    <p:sldId id="269" r:id="rId14"/>
   </p:sldIdLst>
   <p:sldSz cx="9144000" cy="6858000" type="screen4x3"/>
   <p:notesSz cx="6858000" cy="9144000"/>
@@ -206,7 +205,7 @@
             <a:fld id="{4171EAF1-46D5-46F9-9394-912DBB607866}" type="datetimeFigureOut">
               <a:rPr lang="de-DE" smtClean="0"/>
               <a:pPr/>
-              <a:t>11.10.2008</a:t>
+              <a:t>06.10.2010</a:t>
             </a:fld>
             <a:endParaRPr lang="de-DE"/>
           </a:p>
@@ -547,100 +546,6 @@
               <a:t>6</a:t>
             </a:fld>
             <a:endParaRPr lang="de-DE"/>
-          </a:p>
-        </p:txBody>
-      </p:sp>
-    </p:spTree>
-  </p:cSld>
-  <p:clrMapOvr>
-    <a:masterClrMapping/>
-  </p:clrMapOvr>
-</p:notes>
-</file>
-
-<file path=ppt/notesSlides/notesSlide2.xml><?xml version="1.0" encoding="utf-8"?>
-<p:notes xmlns:a="http://schemas.openxmlformats.org/drawingml/2006/main" xmlns:r="http://schemas.openxmlformats.org/officeDocument/2006/relationships" xmlns:p="http://schemas.openxmlformats.org/presentationml/2006/main">
-  <p:cSld>
-    <p:spTree>
-      <p:nvGrpSpPr>
-        <p:cNvPr id="1" name=""/>
-        <p:cNvGrpSpPr/>
-        <p:nvPr/>
-      </p:nvGrpSpPr>
-      <p:grpSpPr>
-        <a:xfrm>
-          <a:off x="0" y="0"/>
-          <a:ext cx="0" cy="0"/>
-          <a:chOff x="0" y="0"/>
-          <a:chExt cx="0" cy="0"/>
-        </a:xfrm>
-      </p:grpSpPr>
-      <p:sp>
-        <p:nvSpPr>
-          <p:cNvPr id="7" name="Rectangle 7"/>
-          <p:cNvSpPr>
-            <a:spLocks noGrp="1" noChangeArrowheads="1"/>
-          </p:cNvSpPr>
-          <p:nvPr>
-            <p:ph type="sldNum" sz="quarter" idx="5"/>
-          </p:nvPr>
-        </p:nvSpPr>
-        <p:spPr>
-          <a:ln/>
-        </p:spPr>
-        <p:txBody>
-          <a:bodyPr/>
-          <a:lstStyle/>
-          <a:p>
-            <a:fld id="{4F77C3BF-8378-4915-AF14-894722467335}" type="slidenum">
-              <a:rPr lang="de-DE"/>
-              <a:pPr/>
-              <a:t>12</a:t>
-            </a:fld>
-            <a:endParaRPr lang="de-DE"/>
-          </a:p>
-        </p:txBody>
-      </p:sp>
-      <p:sp>
-        <p:nvSpPr>
-          <p:cNvPr id="456706" name="Rectangle 2"/>
-          <p:cNvSpPr>
-            <a:spLocks noGrp="1" noRot="1" noChangeAspect="1" noChangeArrowheads="1" noTextEdit="1"/>
-          </p:cNvSpPr>
-          <p:nvPr>
-            <p:ph type="sldImg"/>
-          </p:nvPr>
-        </p:nvSpPr>
-        <p:spPr>
-          <a:xfrm>
-            <a:off x="1144588" y="687388"/>
-            <a:ext cx="4568825" cy="3427412"/>
-          </a:xfrm>
-          <a:ln/>
-        </p:spPr>
-      </p:sp>
-      <p:sp>
-        <p:nvSpPr>
-          <p:cNvPr id="456707" name="Rectangle 3"/>
-          <p:cNvSpPr>
-            <a:spLocks noGrp="1" noChangeArrowheads="1"/>
-          </p:cNvSpPr>
-          <p:nvPr>
-            <p:ph type="body" idx="1"/>
-          </p:nvPr>
-        </p:nvSpPr>
-        <p:spPr>
-          <a:xfrm>
-            <a:off x="914508" y="4342450"/>
-            <a:ext cx="5028987" cy="4345374"/>
-          </a:xfrm>
-        </p:spPr>
-        <p:txBody>
-          <a:bodyPr/>
-          <a:lstStyle/>
-          <a:p>
-            <a:pPr marL="273366" indent="-273366"/>
-            <a:endParaRPr lang="en-US" dirty="0"/>
           </a:p>
         </p:txBody>
       </p:sp>
@@ -1103,7 +1008,7 @@
               </a:pathLst>
             </a:custGeom>
             <a:blipFill>
-              <a:blip r:embed="rId2">
+              <a:blip r:embed="rId2" cstate="print">
                 <a:alphaModFix amt="50000"/>
               </a:blip>
               <a:tile tx="0" ty="0" sx="50000" sy="50000" flip="none" algn="t"/>
@@ -1278,7 +1183,7 @@
             <a:fld id="{1BA50D42-C9CD-4801-B293-61D1F53EC57E}" type="datetimeFigureOut">
               <a:rPr lang="de-DE" smtClean="0"/>
               <a:pPr/>
-              <a:t>11.10.2008</a:t>
+              <a:t>06.10.2010</a:t>
             </a:fld>
             <a:endParaRPr lang="de-DE"/>
           </a:p>
@@ -1476,7 +1381,7 @@
             <a:fld id="{1BA50D42-C9CD-4801-B293-61D1F53EC57E}" type="datetimeFigureOut">
               <a:rPr lang="de-DE" smtClean="0"/>
               <a:pPr/>
-              <a:t>11.10.2008</a:t>
+              <a:t>06.10.2010</a:t>
             </a:fld>
             <a:endParaRPr lang="de-DE"/>
           </a:p>
@@ -1663,7 +1568,7 @@
             <a:fld id="{1BA50D42-C9CD-4801-B293-61D1F53EC57E}" type="datetimeFigureOut">
               <a:rPr lang="de-DE" smtClean="0"/>
               <a:pPr/>
-              <a:t>11.10.2008</a:t>
+              <a:t>06.10.2010</a:t>
             </a:fld>
             <a:endParaRPr lang="de-DE"/>
           </a:p>
@@ -1815,7 +1720,7 @@
             <a:fld id="{1BA50D42-C9CD-4801-B293-61D1F53EC57E}" type="datetimeFigureOut">
               <a:rPr lang="de-DE" smtClean="0"/>
               <a:pPr/>
-              <a:t>11.10.2008</a:t>
+              <a:t>06.10.2010</a:t>
             </a:fld>
             <a:endParaRPr lang="de-DE"/>
           </a:p>
@@ -2072,7 +1977,7 @@
             <a:fld id="{1BA50D42-C9CD-4801-B293-61D1F53EC57E}" type="datetimeFigureOut">
               <a:rPr lang="de-DE" smtClean="0"/>
               <a:pPr/>
-              <a:t>11.10.2008</a:t>
+              <a:t>06.10.2010</a:t>
             </a:fld>
             <a:endParaRPr lang="de-DE"/>
           </a:p>
@@ -2483,7 +2388,7 @@
             <a:fld id="{1BA50D42-C9CD-4801-B293-61D1F53EC57E}" type="datetimeFigureOut">
               <a:rPr lang="de-DE" smtClean="0"/>
               <a:pPr/>
-              <a:t>11.10.2008</a:t>
+              <a:t>06.10.2010</a:t>
             </a:fld>
             <a:endParaRPr lang="de-DE"/>
           </a:p>
@@ -2931,7 +2836,7 @@
             <a:fld id="{1BA50D42-C9CD-4801-B293-61D1F53EC57E}" type="datetimeFigureOut">
               <a:rPr lang="de-DE" smtClean="0"/>
               <a:pPr/>
-              <a:t>11.10.2008</a:t>
+              <a:t>06.10.2010</a:t>
             </a:fld>
             <a:endParaRPr lang="de-DE"/>
           </a:p>
@@ -3034,7 +2939,7 @@
             <a:fld id="{1BA50D42-C9CD-4801-B293-61D1F53EC57E}" type="datetimeFigureOut">
               <a:rPr lang="de-DE" smtClean="0"/>
               <a:pPr/>
-              <a:t>11.10.2008</a:t>
+              <a:t>06.10.2010</a:t>
             </a:fld>
             <a:endParaRPr lang="de-DE"/>
           </a:p>
@@ -3157,7 +3062,7 @@
             <a:fld id="{1BA50D42-C9CD-4801-B293-61D1F53EC57E}" type="datetimeFigureOut">
               <a:rPr lang="de-DE" smtClean="0"/>
               <a:pPr/>
-              <a:t>11.10.2008</a:t>
+              <a:t>06.10.2010</a:t>
             </a:fld>
             <a:endParaRPr lang="de-DE"/>
           </a:p>
@@ -3433,7 +3338,7 @@
             <a:fld id="{1BA50D42-C9CD-4801-B293-61D1F53EC57E}" type="datetimeFigureOut">
               <a:rPr lang="de-DE" smtClean="0"/>
               <a:pPr/>
-              <a:t>11.10.2008</a:t>
+              <a:t>06.10.2010</a:t>
             </a:fld>
             <a:endParaRPr lang="de-DE"/>
           </a:p>
@@ -3640,7 +3545,7 @@
             <a:fld id="{1BA50D42-C9CD-4801-B293-61D1F53EC57E}" type="datetimeFigureOut">
               <a:rPr lang="de-DE" smtClean="0"/>
               <a:pPr/>
-              <a:t>11.10.2008</a:t>
+              <a:t>06.10.2010</a:t>
             </a:fld>
             <a:endParaRPr lang="de-DE"/>
           </a:p>
@@ -3943,7 +3848,7 @@
             <a:avLst/>
           </a:prstGeom>
           <a:blipFill>
-            <a:blip r:embed="rId2">
+            <a:blip r:embed="rId2" cstate="print">
               <a:alphaModFix amt="50000"/>
             </a:blip>
             <a:tile tx="0" ty="0" sx="50000" sy="50000" flip="none" algn="t"/>
@@ -4463,7 +4368,7 @@
             <a:avLst/>
           </a:prstGeom>
           <a:blipFill>
-            <a:blip r:embed="rId13">
+            <a:blip r:embed="rId13" cstate="print">
               <a:alphaModFix amt="50000"/>
             </a:blip>
             <a:tile tx="0" ty="0" sx="50000" sy="50000" flip="none" algn="t"/>
@@ -4751,7 +4656,7 @@
             <a:fld id="{1BA50D42-C9CD-4801-B293-61D1F53EC57E}" type="datetimeFigureOut">
               <a:rPr lang="de-DE" smtClean="0"/>
               <a:pPr/>
-              <a:t>11.10.2008</a:t>
+              <a:t>06.10.2010</a:t>
             </a:fld>
             <a:endParaRPr lang="de-DE"/>
           </a:p>
@@ -6089,1365 +5994,6 @@
       </p:grpSpPr>
       <p:sp>
         <p:nvSpPr>
-          <p:cNvPr id="46" name="Datumsplatzhalter 45"/>
-          <p:cNvSpPr>
-            <a:spLocks noGrp="1"/>
-          </p:cNvSpPr>
-          <p:nvPr>
-            <p:ph type="dt" sz="half" idx="10"/>
-          </p:nvPr>
-        </p:nvSpPr>
-        <p:spPr>
-          <a:prstGeom prst="rect">
-            <a:avLst/>
-          </a:prstGeom>
-        </p:spPr>
-        <p:txBody>
-          <a:bodyPr/>
-          <a:lstStyle/>
-          <a:p>
-            <a:r>
-              <a:rPr lang="de-DE" smtClean="0"/>
-              <a:t>Januar 2008</a:t>
-            </a:r>
-            <a:endParaRPr lang="en-GB" dirty="0"/>
-          </a:p>
-        </p:txBody>
-      </p:sp>
-      <p:sp>
-        <p:nvSpPr>
-          <p:cNvPr id="47" name="Fußzeilenplatzhalter 46"/>
-          <p:cNvSpPr>
-            <a:spLocks noGrp="1"/>
-          </p:cNvSpPr>
-          <p:nvPr>
-            <p:ph type="ftr" sz="quarter" idx="11"/>
-          </p:nvPr>
-        </p:nvSpPr>
-        <p:spPr>
-          <a:prstGeom prst="rect">
-            <a:avLst/>
-          </a:prstGeom>
-        </p:spPr>
-        <p:txBody>
-          <a:bodyPr/>
-          <a:lstStyle/>
-          <a:p>
-            <a:r>
-              <a:rPr lang="de-DE" smtClean="0"/>
-              <a:t>© Christoph Neumann</a:t>
-            </a:r>
-            <a:endParaRPr lang="de-DE" dirty="0"/>
-          </a:p>
-        </p:txBody>
-      </p:sp>
-      <p:sp>
-        <p:nvSpPr>
-          <p:cNvPr id="35" name="Foliennummernplatzhalter 2"/>
-          <p:cNvSpPr>
-            <a:spLocks noGrp="1"/>
-          </p:cNvSpPr>
-          <p:nvPr>
-            <p:ph type="sldNum" sz="quarter" idx="12"/>
-          </p:nvPr>
-        </p:nvSpPr>
-        <p:spPr>
-          <a:prstGeom prst="rect">
-            <a:avLst/>
-          </a:prstGeom>
-        </p:spPr>
-        <p:txBody>
-          <a:bodyPr/>
-          <a:lstStyle/>
-          <a:p>
-            <a:fld id="{995A3471-EDF8-471F-8F5A-1C5CCBC9019F}" type="slidenum">
-              <a:rPr lang="de-DE" smtClean="0"/>
-              <a:pPr/>
-              <a:t>12</a:t>
-            </a:fld>
-            <a:endParaRPr lang="de-DE"/>
-          </a:p>
-        </p:txBody>
-      </p:sp>
-      <p:sp>
-        <p:nvSpPr>
-          <p:cNvPr id="38" name="Titel 37"/>
-          <p:cNvSpPr>
-            <a:spLocks noGrp="1"/>
-          </p:cNvSpPr>
-          <p:nvPr>
-            <p:ph type="title"/>
-          </p:nvPr>
-        </p:nvSpPr>
-        <p:spPr/>
-        <p:txBody>
-          <a:bodyPr/>
-          <a:lstStyle/>
-          <a:p>
-            <a:r>
-              <a:rPr lang="de-DE" dirty="0" smtClean="0"/>
-              <a:t>REALISIERUNGSFAHRPLAN</a:t>
-            </a:r>
-            <a:endParaRPr lang="de-DE" dirty="0"/>
-          </a:p>
-        </p:txBody>
-      </p:sp>
-      <p:sp>
-        <p:nvSpPr>
-          <p:cNvPr id="455683" name="Rectangle 3"/>
-          <p:cNvSpPr>
-            <a:spLocks noChangeArrowheads="1"/>
-          </p:cNvSpPr>
-          <p:nvPr/>
-        </p:nvSpPr>
-        <p:spPr bwMode="auto">
-          <a:xfrm>
-            <a:off x="755650" y="1573213"/>
-            <a:ext cx="7596188" cy="4060825"/>
-          </a:xfrm>
-          <a:prstGeom prst="rect">
-            <a:avLst/>
-          </a:prstGeom>
-          <a:noFill/>
-          <a:ln w="12700">
-            <a:solidFill>
-              <a:srgbClr val="00B0F0"/>
-            </a:solidFill>
-            <a:miter lim="800000"/>
-            <a:headEnd/>
-            <a:tailEnd/>
-          </a:ln>
-          <a:effectLst/>
-        </p:spPr>
-        <p:txBody>
-          <a:bodyPr lIns="90000" tIns="90000" rIns="90000" bIns="90000"/>
-          <a:lstStyle/>
-          <a:p>
-            <a:endParaRPr lang="de-DE"/>
-          </a:p>
-        </p:txBody>
-      </p:sp>
-      <p:sp>
-        <p:nvSpPr>
-          <p:cNvPr id="455684" name="Line 4"/>
-          <p:cNvSpPr>
-            <a:spLocks noChangeShapeType="1"/>
-          </p:cNvSpPr>
-          <p:nvPr/>
-        </p:nvSpPr>
-        <p:spPr bwMode="auto">
-          <a:xfrm>
-            <a:off x="1514475" y="1573213"/>
-            <a:ext cx="0" cy="4060825"/>
-          </a:xfrm>
-          <a:prstGeom prst="line">
-            <a:avLst/>
-          </a:prstGeom>
-          <a:noFill/>
-          <a:ln w="6350">
-            <a:solidFill>
-              <a:srgbClr val="00B0F0"/>
-            </a:solidFill>
-            <a:prstDash val="dash"/>
-            <a:round/>
-            <a:headEnd/>
-            <a:tailEnd/>
-          </a:ln>
-          <a:effectLst/>
-        </p:spPr>
-        <p:txBody>
-          <a:bodyPr wrap="none" lIns="90000" tIns="46800" rIns="90000" bIns="46800" anchor="ctr"/>
-          <a:lstStyle/>
-          <a:p>
-            <a:endParaRPr lang="de-DE"/>
-          </a:p>
-        </p:txBody>
-      </p:sp>
-      <p:sp>
-        <p:nvSpPr>
-          <p:cNvPr id="455685" name="Line 5"/>
-          <p:cNvSpPr>
-            <a:spLocks noChangeShapeType="1"/>
-          </p:cNvSpPr>
-          <p:nvPr/>
-        </p:nvSpPr>
-        <p:spPr bwMode="auto">
-          <a:xfrm>
-            <a:off x="2274888" y="1573213"/>
-            <a:ext cx="0" cy="4060825"/>
-          </a:xfrm>
-          <a:prstGeom prst="line">
-            <a:avLst/>
-          </a:prstGeom>
-          <a:noFill/>
-          <a:ln w="6350">
-            <a:solidFill>
-              <a:srgbClr val="00B0F0"/>
-            </a:solidFill>
-            <a:prstDash val="dash"/>
-            <a:round/>
-            <a:headEnd/>
-            <a:tailEnd/>
-          </a:ln>
-          <a:effectLst/>
-        </p:spPr>
-        <p:txBody>
-          <a:bodyPr wrap="none" lIns="90000" tIns="46800" rIns="90000" bIns="46800" anchor="ctr"/>
-          <a:lstStyle/>
-          <a:p>
-            <a:endParaRPr lang="de-DE"/>
-          </a:p>
-        </p:txBody>
-      </p:sp>
-      <p:sp>
-        <p:nvSpPr>
-          <p:cNvPr id="455686" name="Line 6"/>
-          <p:cNvSpPr>
-            <a:spLocks noChangeShapeType="1"/>
-          </p:cNvSpPr>
-          <p:nvPr/>
-        </p:nvSpPr>
-        <p:spPr bwMode="auto">
-          <a:xfrm>
-            <a:off x="3033713" y="1573213"/>
-            <a:ext cx="0" cy="4060825"/>
-          </a:xfrm>
-          <a:prstGeom prst="line">
-            <a:avLst/>
-          </a:prstGeom>
-          <a:noFill/>
-          <a:ln w="6350">
-            <a:solidFill>
-              <a:srgbClr val="00B0F0"/>
-            </a:solidFill>
-            <a:prstDash val="dash"/>
-            <a:round/>
-            <a:headEnd/>
-            <a:tailEnd/>
-          </a:ln>
-          <a:effectLst/>
-        </p:spPr>
-        <p:txBody>
-          <a:bodyPr wrap="none" lIns="90000" tIns="46800" rIns="90000" bIns="46800" anchor="ctr"/>
-          <a:lstStyle/>
-          <a:p>
-            <a:endParaRPr lang="de-DE"/>
-          </a:p>
-        </p:txBody>
-      </p:sp>
-      <p:sp>
-        <p:nvSpPr>
-          <p:cNvPr id="455687" name="Line 7"/>
-          <p:cNvSpPr>
-            <a:spLocks noChangeShapeType="1"/>
-          </p:cNvSpPr>
-          <p:nvPr/>
-        </p:nvSpPr>
-        <p:spPr bwMode="auto">
-          <a:xfrm>
-            <a:off x="4445000" y="1573213"/>
-            <a:ext cx="0" cy="4060825"/>
-          </a:xfrm>
-          <a:prstGeom prst="line">
-            <a:avLst/>
-          </a:prstGeom>
-          <a:noFill/>
-          <a:ln w="6350">
-            <a:solidFill>
-              <a:srgbClr val="00B0F0"/>
-            </a:solidFill>
-            <a:prstDash val="dash"/>
-            <a:round/>
-            <a:headEnd/>
-            <a:tailEnd/>
-          </a:ln>
-          <a:effectLst/>
-        </p:spPr>
-        <p:txBody>
-          <a:bodyPr wrap="none" lIns="90000" tIns="46800" rIns="90000" bIns="46800" anchor="ctr"/>
-          <a:lstStyle/>
-          <a:p>
-            <a:endParaRPr lang="de-DE"/>
-          </a:p>
-        </p:txBody>
-      </p:sp>
-      <p:sp>
-        <p:nvSpPr>
-          <p:cNvPr id="455688" name="Line 8"/>
-          <p:cNvSpPr>
-            <a:spLocks noChangeShapeType="1"/>
-          </p:cNvSpPr>
-          <p:nvPr/>
-        </p:nvSpPr>
-        <p:spPr bwMode="auto">
-          <a:xfrm>
-            <a:off x="5095875" y="1573213"/>
-            <a:ext cx="0" cy="4060825"/>
-          </a:xfrm>
-          <a:prstGeom prst="line">
-            <a:avLst/>
-          </a:prstGeom>
-          <a:noFill/>
-          <a:ln w="6350">
-            <a:solidFill>
-              <a:srgbClr val="00B0F0"/>
-            </a:solidFill>
-            <a:prstDash val="dash"/>
-            <a:round/>
-            <a:headEnd/>
-            <a:tailEnd/>
-          </a:ln>
-          <a:effectLst/>
-        </p:spPr>
-        <p:txBody>
-          <a:bodyPr wrap="none" lIns="90000" tIns="46800" rIns="90000" bIns="46800" anchor="ctr"/>
-          <a:lstStyle/>
-          <a:p>
-            <a:endParaRPr lang="de-DE"/>
-          </a:p>
-        </p:txBody>
-      </p:sp>
-      <p:sp>
-        <p:nvSpPr>
-          <p:cNvPr id="455689" name="Line 9"/>
-          <p:cNvSpPr>
-            <a:spLocks noChangeShapeType="1"/>
-          </p:cNvSpPr>
-          <p:nvPr/>
-        </p:nvSpPr>
-        <p:spPr bwMode="auto">
-          <a:xfrm>
-            <a:off x="5745163" y="1573213"/>
-            <a:ext cx="0" cy="4060825"/>
-          </a:xfrm>
-          <a:prstGeom prst="line">
-            <a:avLst/>
-          </a:prstGeom>
-          <a:noFill/>
-          <a:ln w="6350">
-            <a:solidFill>
-              <a:srgbClr val="00B0F0"/>
-            </a:solidFill>
-            <a:prstDash val="dash"/>
-            <a:round/>
-            <a:headEnd/>
-            <a:tailEnd/>
-          </a:ln>
-          <a:effectLst/>
-        </p:spPr>
-        <p:txBody>
-          <a:bodyPr wrap="none" lIns="90000" tIns="46800" rIns="90000" bIns="46800" anchor="ctr"/>
-          <a:lstStyle/>
-          <a:p>
-            <a:endParaRPr lang="de-DE"/>
-          </a:p>
-        </p:txBody>
-      </p:sp>
-      <p:sp>
-        <p:nvSpPr>
-          <p:cNvPr id="455690" name="Line 10"/>
-          <p:cNvSpPr>
-            <a:spLocks noChangeShapeType="1"/>
-          </p:cNvSpPr>
-          <p:nvPr/>
-        </p:nvSpPr>
-        <p:spPr bwMode="auto">
-          <a:xfrm>
-            <a:off x="7699375" y="1573213"/>
-            <a:ext cx="0" cy="4060825"/>
-          </a:xfrm>
-          <a:prstGeom prst="line">
-            <a:avLst/>
-          </a:prstGeom>
-          <a:noFill/>
-          <a:ln w="6350">
-            <a:solidFill>
-              <a:srgbClr val="00B0F0"/>
-            </a:solidFill>
-            <a:prstDash val="dash"/>
-            <a:round/>
-            <a:headEnd/>
-            <a:tailEnd/>
-          </a:ln>
-          <a:effectLst/>
-        </p:spPr>
-        <p:txBody>
-          <a:bodyPr wrap="none" lIns="90000" tIns="46800" rIns="90000" bIns="46800" anchor="ctr"/>
-          <a:lstStyle/>
-          <a:p>
-            <a:endParaRPr lang="de-DE"/>
-          </a:p>
-        </p:txBody>
-      </p:sp>
-      <p:sp>
-        <p:nvSpPr>
-          <p:cNvPr id="455691" name="Line 11"/>
-          <p:cNvSpPr>
-            <a:spLocks noChangeShapeType="1"/>
-          </p:cNvSpPr>
-          <p:nvPr/>
-        </p:nvSpPr>
-        <p:spPr bwMode="auto">
-          <a:xfrm>
-            <a:off x="7050088" y="1573213"/>
-            <a:ext cx="0" cy="4060825"/>
-          </a:xfrm>
-          <a:prstGeom prst="line">
-            <a:avLst/>
-          </a:prstGeom>
-          <a:noFill/>
-          <a:ln w="6350">
-            <a:solidFill>
-              <a:srgbClr val="00B0F0"/>
-            </a:solidFill>
-            <a:prstDash val="dash"/>
-            <a:round/>
-            <a:headEnd/>
-            <a:tailEnd/>
-          </a:ln>
-          <a:effectLst/>
-        </p:spPr>
-        <p:txBody>
-          <a:bodyPr wrap="none" lIns="90000" tIns="46800" rIns="90000" bIns="46800" anchor="ctr"/>
-          <a:lstStyle/>
-          <a:p>
-            <a:endParaRPr lang="de-DE"/>
-          </a:p>
-        </p:txBody>
-      </p:sp>
-      <p:grpSp>
-        <p:nvGrpSpPr>
-          <p:cNvPr id="2" name="Group 13"/>
-          <p:cNvGrpSpPr>
-            <a:grpSpLocks/>
-          </p:cNvGrpSpPr>
-          <p:nvPr/>
-        </p:nvGrpSpPr>
-        <p:grpSpPr bwMode="auto">
-          <a:xfrm>
-            <a:off x="3794125" y="1397000"/>
-            <a:ext cx="2603500" cy="4237038"/>
-            <a:chOff x="2650" y="1412"/>
-            <a:chExt cx="1776" cy="2558"/>
-          </a:xfrm>
-        </p:grpSpPr>
-        <p:sp>
-          <p:nvSpPr>
-            <p:cNvPr id="455694" name="Line 14"/>
-            <p:cNvSpPr>
-              <a:spLocks noChangeShapeType="1"/>
-            </p:cNvSpPr>
-            <p:nvPr/>
-          </p:nvSpPr>
-          <p:spPr bwMode="auto">
-            <a:xfrm>
-              <a:off x="2650" y="1412"/>
-              <a:ext cx="0" cy="2558"/>
-            </a:xfrm>
-            <a:prstGeom prst="line">
-              <a:avLst/>
-            </a:prstGeom>
-            <a:noFill/>
-            <a:ln w="28575">
-              <a:solidFill>
-                <a:srgbClr val="00B0F0"/>
-              </a:solidFill>
-              <a:round/>
-              <a:headEnd/>
-              <a:tailEnd/>
-            </a:ln>
-            <a:effectLst/>
-          </p:spPr>
-          <p:txBody>
-            <a:bodyPr wrap="none" lIns="90000" tIns="46800" rIns="90000" bIns="46800" anchor="ctr"/>
-            <a:lstStyle/>
-            <a:p>
-              <a:endParaRPr lang="de-DE"/>
-            </a:p>
-          </p:txBody>
-        </p:sp>
-        <p:sp>
-          <p:nvSpPr>
-            <p:cNvPr id="455695" name="Line 15"/>
-            <p:cNvSpPr>
-              <a:spLocks noChangeShapeType="1"/>
-            </p:cNvSpPr>
-            <p:nvPr/>
-          </p:nvSpPr>
-          <p:spPr bwMode="auto">
-            <a:xfrm>
-              <a:off x="4426" y="1412"/>
-              <a:ext cx="0" cy="2558"/>
-            </a:xfrm>
-            <a:prstGeom prst="line">
-              <a:avLst/>
-            </a:prstGeom>
-            <a:noFill/>
-            <a:ln w="28575">
-              <a:solidFill>
-                <a:srgbClr val="00B0F0"/>
-              </a:solidFill>
-              <a:round/>
-              <a:headEnd/>
-              <a:tailEnd/>
-            </a:ln>
-            <a:effectLst/>
-          </p:spPr>
-          <p:txBody>
-            <a:bodyPr wrap="none" lIns="90000" tIns="46800" rIns="90000" bIns="46800" anchor="ctr"/>
-            <a:lstStyle/>
-            <a:p>
-              <a:endParaRPr lang="de-DE"/>
-            </a:p>
-          </p:txBody>
-        </p:sp>
-      </p:grpSp>
-      <p:sp>
-        <p:nvSpPr>
-          <p:cNvPr id="455696" name="Text Box 16"/>
-          <p:cNvSpPr txBox="1">
-            <a:spLocks noChangeArrowheads="1"/>
-          </p:cNvSpPr>
-          <p:nvPr/>
-        </p:nvSpPr>
-        <p:spPr bwMode="auto">
-          <a:xfrm>
-            <a:off x="6480175" y="1343025"/>
-            <a:ext cx="1730375" cy="244475"/>
-          </a:xfrm>
-          <a:prstGeom prst="rect">
-            <a:avLst/>
-          </a:prstGeom>
-          <a:noFill/>
-          <a:ln w="19050">
-            <a:noFill/>
-            <a:miter lim="800000"/>
-            <a:headEnd/>
-            <a:tailEnd/>
-          </a:ln>
-          <a:effectLst/>
-        </p:spPr>
-        <p:txBody>
-          <a:bodyPr lIns="0" tIns="0" rIns="0" bIns="0">
-            <a:spAutoFit/>
-          </a:bodyPr>
-          <a:lstStyle/>
-          <a:p>
-            <a:r>
-              <a:rPr lang="en-US" sz="1600" b="1" dirty="0" smtClean="0">
-                <a:solidFill>
-                  <a:srgbClr val="00B0F0"/>
-                </a:solidFill>
-              </a:rPr>
-              <a:t>2010</a:t>
-            </a:r>
-            <a:endParaRPr lang="en-US" sz="1600" b="1" dirty="0">
-              <a:solidFill>
-                <a:srgbClr val="00B0F0"/>
-              </a:solidFill>
-            </a:endParaRPr>
-          </a:p>
-        </p:txBody>
-      </p:sp>
-      <p:sp>
-        <p:nvSpPr>
-          <p:cNvPr id="455697" name="Text Box 17"/>
-          <p:cNvSpPr txBox="1">
-            <a:spLocks noChangeArrowheads="1"/>
-          </p:cNvSpPr>
-          <p:nvPr/>
-        </p:nvSpPr>
-        <p:spPr bwMode="auto">
-          <a:xfrm>
-            <a:off x="3887788" y="1341438"/>
-            <a:ext cx="2146300" cy="244475"/>
-          </a:xfrm>
-          <a:prstGeom prst="rect">
-            <a:avLst/>
-          </a:prstGeom>
-          <a:noFill/>
-          <a:ln w="19050">
-            <a:noFill/>
-            <a:miter lim="800000"/>
-            <a:headEnd/>
-            <a:tailEnd/>
-          </a:ln>
-          <a:effectLst/>
-        </p:spPr>
-        <p:txBody>
-          <a:bodyPr lIns="0" tIns="0" rIns="0" bIns="0">
-            <a:spAutoFit/>
-          </a:bodyPr>
-          <a:lstStyle/>
-          <a:p>
-            <a:r>
-              <a:rPr lang="en-US" sz="1600" b="1" dirty="0" smtClean="0">
-                <a:solidFill>
-                  <a:srgbClr val="00B0F0"/>
-                </a:solidFill>
-              </a:rPr>
-              <a:t>2009</a:t>
-            </a:r>
-            <a:endParaRPr lang="en-US" sz="1600" b="1" dirty="0">
-              <a:solidFill>
-                <a:srgbClr val="00B0F0"/>
-              </a:solidFill>
-            </a:endParaRPr>
-          </a:p>
-        </p:txBody>
-      </p:sp>
-      <p:sp>
-        <p:nvSpPr>
-          <p:cNvPr id="455698" name="Text Box 18"/>
-          <p:cNvSpPr txBox="1">
-            <a:spLocks noChangeArrowheads="1"/>
-          </p:cNvSpPr>
-          <p:nvPr/>
-        </p:nvSpPr>
-        <p:spPr bwMode="auto">
-          <a:xfrm>
-            <a:off x="790575" y="1341438"/>
-            <a:ext cx="2763838" cy="244475"/>
-          </a:xfrm>
-          <a:prstGeom prst="rect">
-            <a:avLst/>
-          </a:prstGeom>
-          <a:noFill/>
-          <a:ln w="19050">
-            <a:noFill/>
-            <a:miter lim="800000"/>
-            <a:headEnd/>
-            <a:tailEnd/>
-          </a:ln>
-          <a:effectLst/>
-        </p:spPr>
-        <p:txBody>
-          <a:bodyPr lIns="0" tIns="0" rIns="0" bIns="0">
-            <a:spAutoFit/>
-          </a:bodyPr>
-          <a:lstStyle/>
-          <a:p>
-            <a:r>
-              <a:rPr lang="en-US" sz="1600" b="1" dirty="0" smtClean="0">
-                <a:solidFill>
-                  <a:srgbClr val="00B0F0"/>
-                </a:solidFill>
-              </a:rPr>
-              <a:t>2008</a:t>
-            </a:r>
-            <a:endParaRPr lang="en-US" sz="1600" b="1" dirty="0">
-              <a:solidFill>
-                <a:srgbClr val="00B0F0"/>
-              </a:solidFill>
-            </a:endParaRPr>
-          </a:p>
-        </p:txBody>
-      </p:sp>
-      <p:sp>
-        <p:nvSpPr>
-          <p:cNvPr id="455700" name="AutoShape 20"/>
-          <p:cNvSpPr>
-            <a:spLocks noChangeArrowheads="1"/>
-          </p:cNvSpPr>
-          <p:nvPr/>
-        </p:nvSpPr>
-        <p:spPr bwMode="auto">
-          <a:xfrm>
-            <a:off x="2357422" y="2000240"/>
-            <a:ext cx="2962275" cy="1946275"/>
-          </a:xfrm>
-          <a:prstGeom prst="homePlate">
-            <a:avLst>
-              <a:gd name="adj" fmla="val 16933"/>
-            </a:avLst>
-          </a:prstGeom>
-          <a:solidFill>
-            <a:schemeClr val="accent3"/>
-          </a:solidFill>
-          <a:ln w="9525">
-            <a:noFill/>
-            <a:miter lim="800000"/>
-            <a:headEnd/>
-            <a:tailEnd/>
-          </a:ln>
-          <a:effectLst/>
-        </p:spPr>
-        <p:txBody>
-          <a:bodyPr wrap="none" lIns="46800" tIns="46800" rIns="46800" bIns="46800"/>
-          <a:lstStyle/>
-          <a:p>
-            <a:pPr eaLnBrk="0" hangingPunct="0"/>
-            <a:r>
-              <a:rPr lang="de-DE" sz="1400" b="1" smtClean="0"/>
-              <a:t>DACUS</a:t>
-            </a:r>
-            <a:endParaRPr lang="en-US" sz="1400" b="1" dirty="0"/>
-          </a:p>
-        </p:txBody>
-      </p:sp>
-      <p:sp>
-        <p:nvSpPr>
-          <p:cNvPr id="455701" name="AutoShape 21"/>
-          <p:cNvSpPr>
-            <a:spLocks noChangeArrowheads="1"/>
-          </p:cNvSpPr>
-          <p:nvPr/>
-        </p:nvSpPr>
-        <p:spPr bwMode="auto">
-          <a:xfrm>
-            <a:off x="3043236" y="2752723"/>
-            <a:ext cx="1314450" cy="390525"/>
-          </a:xfrm>
-          <a:prstGeom prst="homePlate">
-            <a:avLst>
-              <a:gd name="adj" fmla="val 42213"/>
-            </a:avLst>
-          </a:prstGeom>
-          <a:noFill/>
-          <a:ln w="9525">
-            <a:noFill/>
-            <a:miter lim="800000"/>
-            <a:headEnd/>
-            <a:tailEnd/>
-          </a:ln>
-          <a:effectLst/>
-        </p:spPr>
-        <p:txBody>
-          <a:bodyPr wrap="none" lIns="46800" tIns="46800" rIns="46800" bIns="46800" anchor="ctr"/>
-          <a:lstStyle/>
-          <a:p>
-            <a:pPr eaLnBrk="0" hangingPunct="0"/>
-            <a:r>
-              <a:rPr lang="de-DE" sz="1200" dirty="0" smtClean="0"/>
-              <a:t>Datenmodell</a:t>
-            </a:r>
-            <a:endParaRPr lang="en-US" sz="1200" dirty="0"/>
-          </a:p>
-        </p:txBody>
-      </p:sp>
-      <p:sp>
-        <p:nvSpPr>
-          <p:cNvPr id="455702" name="AutoShape 22"/>
-          <p:cNvSpPr>
-            <a:spLocks noChangeArrowheads="1"/>
-          </p:cNvSpPr>
-          <p:nvPr/>
-        </p:nvSpPr>
-        <p:spPr bwMode="auto">
-          <a:xfrm>
-            <a:off x="3249613" y="3181351"/>
-            <a:ext cx="1465263" cy="390525"/>
-          </a:xfrm>
-          <a:prstGeom prst="homePlate">
-            <a:avLst>
-              <a:gd name="adj" fmla="val 47057"/>
-            </a:avLst>
-          </a:prstGeom>
-          <a:noFill/>
-          <a:ln w="9525">
-            <a:noFill/>
-            <a:miter lim="800000"/>
-            <a:headEnd/>
-            <a:tailEnd/>
-          </a:ln>
-          <a:effectLst/>
-        </p:spPr>
-        <p:txBody>
-          <a:bodyPr wrap="none" lIns="46800" tIns="46800" rIns="46800" bIns="46800" anchor="ctr"/>
-          <a:lstStyle/>
-          <a:p>
-            <a:pPr eaLnBrk="0" hangingPunct="0"/>
-            <a:r>
-              <a:rPr lang="en-US" sz="1200" dirty="0" smtClean="0"/>
-              <a:t>Portal</a:t>
-            </a:r>
-            <a:endParaRPr lang="en-US" sz="1200" dirty="0"/>
-          </a:p>
-        </p:txBody>
-      </p:sp>
-      <p:sp>
-        <p:nvSpPr>
-          <p:cNvPr id="455708" name="Line 28"/>
-          <p:cNvSpPr>
-            <a:spLocks noChangeShapeType="1"/>
-          </p:cNvSpPr>
-          <p:nvPr/>
-        </p:nvSpPr>
-        <p:spPr bwMode="auto">
-          <a:xfrm>
-            <a:off x="3071802" y="3109913"/>
-            <a:ext cx="571504" cy="0"/>
-          </a:xfrm>
-          <a:prstGeom prst="line">
-            <a:avLst/>
-          </a:prstGeom>
-          <a:noFill/>
-          <a:ln w="38100">
-            <a:solidFill>
-              <a:schemeClr val="bg1"/>
-            </a:solidFill>
-            <a:round/>
-            <a:headEnd/>
-            <a:tailEnd type="triangle" w="med" len="med"/>
-          </a:ln>
-          <a:effectLst/>
-        </p:spPr>
-        <p:txBody>
-          <a:bodyPr lIns="46800" tIns="72000" rIns="46800" bIns="46800"/>
-          <a:lstStyle/>
-          <a:p>
-            <a:endParaRPr lang="de-DE"/>
-          </a:p>
-        </p:txBody>
-      </p:sp>
-      <p:sp>
-        <p:nvSpPr>
-          <p:cNvPr id="455709" name="Line 29"/>
-          <p:cNvSpPr>
-            <a:spLocks noChangeShapeType="1"/>
-          </p:cNvSpPr>
-          <p:nvPr/>
-        </p:nvSpPr>
-        <p:spPr bwMode="auto">
-          <a:xfrm>
-            <a:off x="3286116" y="3500438"/>
-            <a:ext cx="714380" cy="0"/>
-          </a:xfrm>
-          <a:prstGeom prst="line">
-            <a:avLst/>
-          </a:prstGeom>
-          <a:noFill/>
-          <a:ln w="38100">
-            <a:solidFill>
-              <a:schemeClr val="bg1"/>
-            </a:solidFill>
-            <a:round/>
-            <a:headEnd/>
-            <a:tailEnd type="triangle" w="med" len="med"/>
-          </a:ln>
-          <a:effectLst/>
-        </p:spPr>
-        <p:txBody>
-          <a:bodyPr lIns="46800" tIns="72000" rIns="46800" bIns="46800"/>
-          <a:lstStyle/>
-          <a:p>
-            <a:endParaRPr lang="de-DE"/>
-          </a:p>
-        </p:txBody>
-      </p:sp>
-      <p:grpSp>
-        <p:nvGrpSpPr>
-          <p:cNvPr id="40" name="Gruppieren 39"/>
-          <p:cNvGrpSpPr/>
-          <p:nvPr/>
-        </p:nvGrpSpPr>
-        <p:grpSpPr>
-          <a:xfrm>
-            <a:off x="5202259" y="3643314"/>
-            <a:ext cx="2513013" cy="1946275"/>
-            <a:chOff x="3844925" y="2009775"/>
-            <a:chExt cx="2513013" cy="1946275"/>
-          </a:xfrm>
-          <a:solidFill>
-            <a:schemeClr val="accent3"/>
-          </a:solidFill>
-        </p:grpSpPr>
-        <p:sp>
-          <p:nvSpPr>
-            <p:cNvPr id="455703" name="AutoShape 23"/>
-            <p:cNvSpPr>
-              <a:spLocks noChangeArrowheads="1"/>
-            </p:cNvSpPr>
-            <p:nvPr/>
-          </p:nvSpPr>
-          <p:spPr bwMode="auto">
-            <a:xfrm>
-              <a:off x="3844925" y="2009775"/>
-              <a:ext cx="2513013" cy="1946275"/>
-            </a:xfrm>
-            <a:prstGeom prst="homePlate">
-              <a:avLst>
-                <a:gd name="adj" fmla="val 18657"/>
-              </a:avLst>
-            </a:prstGeom>
-            <a:grpFill/>
-            <a:ln w="9525">
-              <a:noFill/>
-              <a:miter lim="800000"/>
-              <a:headEnd/>
-              <a:tailEnd/>
-            </a:ln>
-            <a:effectLst/>
-          </p:spPr>
-          <p:txBody>
-            <a:bodyPr wrap="none" lIns="46800" tIns="46800" rIns="46800" bIns="46800"/>
-            <a:lstStyle/>
-            <a:p>
-              <a:pPr eaLnBrk="0" hangingPunct="0"/>
-              <a:r>
-                <a:rPr lang="de-DE" sz="1400" b="1" dirty="0"/>
-                <a:t>Release </a:t>
-              </a:r>
-              <a:r>
-                <a:rPr lang="de-DE" sz="1400" b="1" dirty="0" smtClean="0"/>
-                <a:t>1</a:t>
-              </a:r>
-              <a:endParaRPr lang="en-US" sz="1400" b="1" dirty="0"/>
-            </a:p>
-          </p:txBody>
-        </p:sp>
-        <p:sp>
-          <p:nvSpPr>
-            <p:cNvPr id="455704" name="AutoShape 24"/>
-            <p:cNvSpPr>
-              <a:spLocks noChangeArrowheads="1"/>
-            </p:cNvSpPr>
-            <p:nvPr/>
-          </p:nvSpPr>
-          <p:spPr bwMode="auto">
-            <a:xfrm>
-              <a:off x="3921125" y="2603500"/>
-              <a:ext cx="933450" cy="390525"/>
-            </a:xfrm>
-            <a:prstGeom prst="homePlate">
-              <a:avLst>
-                <a:gd name="adj" fmla="val 40479"/>
-              </a:avLst>
-            </a:prstGeom>
-            <a:grpFill/>
-            <a:ln w="9525">
-              <a:noFill/>
-              <a:miter lim="800000"/>
-              <a:headEnd/>
-              <a:tailEnd/>
-            </a:ln>
-            <a:effectLst/>
-          </p:spPr>
-          <p:txBody>
-            <a:bodyPr wrap="none" lIns="46800" tIns="46800" rIns="46800" bIns="46800" anchor="ctr"/>
-            <a:lstStyle/>
-            <a:p>
-              <a:pPr eaLnBrk="0" hangingPunct="0"/>
-              <a:r>
-                <a:rPr lang="de-DE" sz="1200" dirty="0" err="1" smtClean="0"/>
-                <a:t>Foobar</a:t>
-              </a:r>
-              <a:endParaRPr lang="en-US" sz="1200" dirty="0"/>
-            </a:p>
-          </p:txBody>
-        </p:sp>
-        <p:sp>
-          <p:nvSpPr>
-            <p:cNvPr id="455705" name="AutoShape 25"/>
-            <p:cNvSpPr>
-              <a:spLocks noChangeArrowheads="1"/>
-            </p:cNvSpPr>
-            <p:nvPr/>
-          </p:nvSpPr>
-          <p:spPr bwMode="auto">
-            <a:xfrm>
-              <a:off x="4779963" y="2603500"/>
-              <a:ext cx="1254125" cy="390525"/>
-            </a:xfrm>
-            <a:prstGeom prst="chevron">
-              <a:avLst>
-                <a:gd name="adj" fmla="val 32381"/>
-              </a:avLst>
-            </a:prstGeom>
-            <a:grpFill/>
-            <a:ln w="9525">
-              <a:noFill/>
-              <a:miter lim="800000"/>
-              <a:headEnd/>
-              <a:tailEnd/>
-            </a:ln>
-            <a:effectLst/>
-          </p:spPr>
-          <p:txBody>
-            <a:bodyPr wrap="none" lIns="46800" tIns="46800" rIns="46800" bIns="46800" anchor="ctr"/>
-            <a:lstStyle/>
-            <a:p>
-              <a:pPr eaLnBrk="0" hangingPunct="0"/>
-              <a:r>
-                <a:rPr lang="de-DE" sz="1200" dirty="0" err="1" smtClean="0"/>
-                <a:t>Blafasel</a:t>
-              </a:r>
-              <a:endParaRPr lang="en-US" sz="1200" dirty="0"/>
-            </a:p>
-          </p:txBody>
-        </p:sp>
-        <p:sp>
-          <p:nvSpPr>
-            <p:cNvPr id="455706" name="AutoShape 26"/>
-            <p:cNvSpPr>
-              <a:spLocks noChangeArrowheads="1"/>
-            </p:cNvSpPr>
-            <p:nvPr/>
-          </p:nvSpPr>
-          <p:spPr bwMode="auto">
-            <a:xfrm>
-              <a:off x="3921125" y="3260725"/>
-              <a:ext cx="1920875" cy="390525"/>
-            </a:xfrm>
-            <a:prstGeom prst="homePlate">
-              <a:avLst>
-                <a:gd name="adj" fmla="val 29785"/>
-              </a:avLst>
-            </a:prstGeom>
-            <a:grpFill/>
-            <a:ln w="9525">
-              <a:noFill/>
-              <a:miter lim="800000"/>
-              <a:headEnd/>
-              <a:tailEnd/>
-            </a:ln>
-            <a:effectLst/>
-          </p:spPr>
-          <p:txBody>
-            <a:bodyPr wrap="none" lIns="46800" tIns="46800" rIns="46800" bIns="46800" anchor="ctr"/>
-            <a:lstStyle/>
-            <a:p>
-              <a:pPr eaLnBrk="0" hangingPunct="0"/>
-              <a:r>
-                <a:rPr lang="de-DE" sz="1200"/>
-                <a:t>Kreditadministration </a:t>
-              </a:r>
-            </a:p>
-            <a:p>
-              <a:pPr eaLnBrk="0" hangingPunct="0"/>
-              <a:r>
-                <a:rPr lang="de-DE" sz="1200"/>
-                <a:t>und -technik</a:t>
-              </a:r>
-            </a:p>
-          </p:txBody>
-        </p:sp>
-        <p:sp>
-          <p:nvSpPr>
-            <p:cNvPr id="455710" name="Line 30"/>
-            <p:cNvSpPr>
-              <a:spLocks noChangeShapeType="1"/>
-            </p:cNvSpPr>
-            <p:nvPr/>
-          </p:nvSpPr>
-          <p:spPr bwMode="auto">
-            <a:xfrm>
-              <a:off x="3921125" y="3028950"/>
-              <a:ext cx="858838" cy="0"/>
-            </a:xfrm>
-            <a:prstGeom prst="line">
-              <a:avLst/>
-            </a:prstGeom>
-            <a:grpFill/>
-            <a:ln w="38100">
-              <a:solidFill>
-                <a:schemeClr val="bg1"/>
-              </a:solidFill>
-              <a:round/>
-              <a:headEnd/>
-              <a:tailEnd type="triangle" w="med" len="med"/>
-            </a:ln>
-            <a:effectLst/>
-          </p:spPr>
-          <p:txBody>
-            <a:bodyPr lIns="46800" tIns="72000" rIns="46800" bIns="46800"/>
-            <a:lstStyle/>
-            <a:p>
-              <a:endParaRPr lang="de-DE"/>
-            </a:p>
-          </p:txBody>
-        </p:sp>
-        <p:sp>
-          <p:nvSpPr>
-            <p:cNvPr id="455711" name="Line 31"/>
-            <p:cNvSpPr>
-              <a:spLocks noChangeShapeType="1"/>
-            </p:cNvSpPr>
-            <p:nvPr/>
-          </p:nvSpPr>
-          <p:spPr bwMode="auto">
-            <a:xfrm>
-              <a:off x="4854575" y="3028950"/>
-              <a:ext cx="860425" cy="0"/>
-            </a:xfrm>
-            <a:prstGeom prst="line">
-              <a:avLst/>
-            </a:prstGeom>
-            <a:grpFill/>
-            <a:ln w="38100">
-              <a:solidFill>
-                <a:schemeClr val="bg1"/>
-              </a:solidFill>
-              <a:round/>
-              <a:headEnd/>
-              <a:tailEnd type="triangle" w="med" len="med"/>
-            </a:ln>
-            <a:effectLst/>
-          </p:spPr>
-          <p:txBody>
-            <a:bodyPr lIns="46800" tIns="72000" rIns="46800" bIns="46800"/>
-            <a:lstStyle/>
-            <a:p>
-              <a:endParaRPr lang="de-DE"/>
-            </a:p>
-          </p:txBody>
-        </p:sp>
-        <p:sp>
-          <p:nvSpPr>
-            <p:cNvPr id="455712" name="Line 32"/>
-            <p:cNvSpPr>
-              <a:spLocks noChangeShapeType="1"/>
-            </p:cNvSpPr>
-            <p:nvPr/>
-          </p:nvSpPr>
-          <p:spPr bwMode="auto">
-            <a:xfrm>
-              <a:off x="3921125" y="3689350"/>
-              <a:ext cx="1824038" cy="0"/>
-            </a:xfrm>
-            <a:prstGeom prst="line">
-              <a:avLst/>
-            </a:prstGeom>
-            <a:grpFill/>
-            <a:ln w="38100">
-              <a:solidFill>
-                <a:schemeClr val="bg1"/>
-              </a:solidFill>
-              <a:round/>
-              <a:headEnd/>
-              <a:tailEnd type="triangle" w="med" len="med"/>
-            </a:ln>
-            <a:effectLst/>
-          </p:spPr>
-          <p:txBody>
-            <a:bodyPr lIns="46800" tIns="72000" rIns="46800" bIns="46800"/>
-            <a:lstStyle/>
-            <a:p>
-              <a:endParaRPr lang="de-DE"/>
-            </a:p>
-          </p:txBody>
-        </p:sp>
-      </p:grpSp>
-      <p:sp>
-        <p:nvSpPr>
-          <p:cNvPr id="42" name="AutoShape 22"/>
-          <p:cNvSpPr>
-            <a:spLocks noChangeArrowheads="1"/>
-          </p:cNvSpPr>
-          <p:nvPr/>
-        </p:nvSpPr>
-        <p:spPr bwMode="auto">
-          <a:xfrm>
-            <a:off x="4000496" y="3500438"/>
-            <a:ext cx="1465263" cy="390525"/>
-          </a:xfrm>
-          <a:prstGeom prst="homePlate">
-            <a:avLst>
-              <a:gd name="adj" fmla="val 47057"/>
-            </a:avLst>
-          </a:prstGeom>
-          <a:noFill/>
-          <a:ln w="9525">
-            <a:noFill/>
-            <a:miter lim="800000"/>
-            <a:headEnd/>
-            <a:tailEnd/>
-          </a:ln>
-          <a:effectLst/>
-        </p:spPr>
-        <p:txBody>
-          <a:bodyPr wrap="none" lIns="46800" tIns="46800" rIns="46800" bIns="46800" anchor="ctr"/>
-          <a:lstStyle/>
-          <a:p>
-            <a:pPr eaLnBrk="0" hangingPunct="0"/>
-            <a:r>
-              <a:rPr lang="en-US" sz="1200" dirty="0" smtClean="0"/>
-              <a:t>Handy</a:t>
-            </a:r>
-            <a:endParaRPr lang="en-US" sz="1200" dirty="0"/>
-          </a:p>
-        </p:txBody>
-      </p:sp>
-      <p:sp>
-        <p:nvSpPr>
-          <p:cNvPr id="44" name="Line 29"/>
-          <p:cNvSpPr>
-            <a:spLocks noChangeShapeType="1"/>
-          </p:cNvSpPr>
-          <p:nvPr/>
-        </p:nvSpPr>
-        <p:spPr bwMode="auto">
-          <a:xfrm>
-            <a:off x="4035431" y="3824293"/>
-            <a:ext cx="714380" cy="0"/>
-          </a:xfrm>
-          <a:prstGeom prst="line">
-            <a:avLst/>
-          </a:prstGeom>
-          <a:noFill/>
-          <a:ln w="38100">
-            <a:solidFill>
-              <a:schemeClr val="bg1"/>
-            </a:solidFill>
-            <a:round/>
-            <a:headEnd/>
-            <a:tailEnd type="triangle" w="med" len="med"/>
-          </a:ln>
-          <a:effectLst/>
-        </p:spPr>
-        <p:txBody>
-          <a:bodyPr lIns="46800" tIns="72000" rIns="46800" bIns="46800"/>
-          <a:lstStyle/>
-          <a:p>
-            <a:endParaRPr lang="de-DE"/>
-          </a:p>
-        </p:txBody>
-      </p:sp>
-      <p:sp>
-        <p:nvSpPr>
-          <p:cNvPr id="45" name="AutoShape 21"/>
-          <p:cNvSpPr>
-            <a:spLocks noChangeArrowheads="1"/>
-          </p:cNvSpPr>
-          <p:nvPr/>
-        </p:nvSpPr>
-        <p:spPr bwMode="auto">
-          <a:xfrm>
-            <a:off x="2428860" y="2357430"/>
-            <a:ext cx="1314450" cy="390525"/>
-          </a:xfrm>
-          <a:prstGeom prst="homePlate">
-            <a:avLst>
-              <a:gd name="adj" fmla="val 42213"/>
-            </a:avLst>
-          </a:prstGeom>
-          <a:noFill/>
-          <a:ln w="9525">
-            <a:noFill/>
-            <a:miter lim="800000"/>
-            <a:headEnd/>
-            <a:tailEnd/>
-          </a:ln>
-          <a:effectLst/>
-        </p:spPr>
-        <p:txBody>
-          <a:bodyPr wrap="none" lIns="46800" tIns="46800" rIns="46800" bIns="46800" anchor="ctr"/>
-          <a:lstStyle/>
-          <a:p>
-            <a:pPr eaLnBrk="0" hangingPunct="0"/>
-            <a:r>
-              <a:rPr lang="de-DE" sz="1200" dirty="0" smtClean="0"/>
-              <a:t>Vision</a:t>
-            </a:r>
-            <a:endParaRPr lang="en-US" sz="1200" dirty="0"/>
-          </a:p>
-        </p:txBody>
-      </p:sp>
-      <p:sp>
-        <p:nvSpPr>
-          <p:cNvPr id="48" name="Line 28"/>
-          <p:cNvSpPr>
-            <a:spLocks noChangeShapeType="1"/>
-          </p:cNvSpPr>
-          <p:nvPr/>
-        </p:nvSpPr>
-        <p:spPr bwMode="auto">
-          <a:xfrm>
-            <a:off x="2457426" y="2714620"/>
-            <a:ext cx="571504" cy="0"/>
-          </a:xfrm>
-          <a:prstGeom prst="line">
-            <a:avLst/>
-          </a:prstGeom>
-          <a:noFill/>
-          <a:ln w="38100">
-            <a:solidFill>
-              <a:schemeClr val="bg1"/>
-            </a:solidFill>
-            <a:round/>
-            <a:headEnd/>
-            <a:tailEnd type="triangle" w="med" len="med"/>
-          </a:ln>
-          <a:effectLst/>
-        </p:spPr>
-        <p:txBody>
-          <a:bodyPr lIns="46800" tIns="72000" rIns="46800" bIns="46800"/>
-          <a:lstStyle/>
-          <a:p>
-            <a:endParaRPr lang="de-DE"/>
-          </a:p>
-        </p:txBody>
-      </p:sp>
-      <p:cxnSp>
-        <p:nvCxnSpPr>
-          <p:cNvPr id="50" name="Gerade Verbindung 49"/>
-          <p:cNvCxnSpPr/>
-          <p:nvPr/>
-        </p:nvCxnSpPr>
-        <p:spPr>
-          <a:xfrm rot="5400000" flipH="1" flipV="1">
-            <a:off x="929142" y="3571397"/>
-            <a:ext cx="4572826" cy="1753"/>
-          </a:xfrm>
-          <a:prstGeom prst="line">
-            <a:avLst/>
-          </a:prstGeom>
-          <a:ln w="57150">
-            <a:solidFill>
-              <a:schemeClr val="tx1"/>
-            </a:solidFill>
-          </a:ln>
-        </p:spPr>
-        <p:style>
-          <a:lnRef idx="1">
-            <a:schemeClr val="accent1"/>
-          </a:lnRef>
-          <a:fillRef idx="0">
-            <a:schemeClr val="accent1"/>
-          </a:fillRef>
-          <a:effectRef idx="0">
-            <a:schemeClr val="accent1"/>
-          </a:effectRef>
-          <a:fontRef idx="minor">
-            <a:schemeClr val="tx1"/>
-          </a:fontRef>
-        </p:style>
-      </p:cxnSp>
-    </p:spTree>
-  </p:cSld>
-  <p:clrMapOvr>
-    <a:masterClrMapping/>
-  </p:clrMapOvr>
-  <p:transition/>
-  <p:timing>
-    <p:tnLst>
-      <p:par>
-        <p:cTn id="1" dur="indefinite" restart="never" nodeType="tmRoot"/>
-      </p:par>
-    </p:tnLst>
-  </p:timing>
-</p:sld>
-</file>
-
-<file path=ppt/slides/slide13.xml><?xml version="1.0" encoding="utf-8"?>
-<p:sld xmlns:a="http://schemas.openxmlformats.org/drawingml/2006/main" xmlns:r="http://schemas.openxmlformats.org/officeDocument/2006/relationships" xmlns:p="http://schemas.openxmlformats.org/presentationml/2006/main">
-  <p:cSld>
-    <p:spTree>
-      <p:nvGrpSpPr>
-        <p:cNvPr id="1" name=""/>
-        <p:cNvGrpSpPr/>
-        <p:nvPr/>
-      </p:nvGrpSpPr>
-      <p:grpSpPr>
-        <a:xfrm>
-          <a:off x="0" y="0"/>
-          <a:ext cx="0" cy="0"/>
-          <a:chOff x="0" y="0"/>
-          <a:chExt cx="0" cy="0"/>
-        </a:xfrm>
-      </p:grpSpPr>
-      <p:sp>
-        <p:nvSpPr>
           <p:cNvPr id="2" name="Inhaltsplatzhalter 1"/>
           <p:cNvSpPr>
             <a:spLocks noGrp="1"/>
@@ -7548,7 +6094,7 @@
 </p:sld>
 </file>
 
-<file path=ppt/slides/slide14.xml><?xml version="1.0" encoding="utf-8"?>
+<file path=ppt/slides/slide13.xml><?xml version="1.0" encoding="utf-8"?>
 <p:sld xmlns:a="http://schemas.openxmlformats.org/drawingml/2006/main" xmlns:r="http://schemas.openxmlformats.org/officeDocument/2006/relationships" xmlns:p="http://schemas.openxmlformats.org/presentationml/2006/main">
   <p:cSld>
     <p:spTree>
@@ -7699,7 +6245,7 @@
           </p:nvPr>
         </p:nvPicPr>
         <p:blipFill>
-          <a:blip r:embed="rId2"/>
+          <a:blip r:embed="rId2" cstate="print"/>
           <a:srcRect/>
           <a:stretch>
             <a:fillRect/>
@@ -7882,7 +6428,7 @@
           <p:nvPr/>
         </p:nvPicPr>
         <p:blipFill>
-          <a:blip r:embed="rId3"/>
+          <a:blip r:embed="rId3" cstate="print"/>
           <a:srcRect/>
           <a:stretch>
             <a:fillRect/>
@@ -7915,7 +6461,7 @@
           <p:nvPr/>
         </p:nvPicPr>
         <p:blipFill>
-          <a:blip r:embed="rId4"/>
+          <a:blip r:embed="rId4" cstate="print"/>
           <a:srcRect/>
           <a:stretch>
             <a:fillRect/>
@@ -7948,7 +6494,7 @@
           <p:nvPr/>
         </p:nvPicPr>
         <p:blipFill>
-          <a:blip r:embed="rId5"/>
+          <a:blip r:embed="rId5" cstate="print"/>
           <a:srcRect/>
           <a:stretch>
             <a:fillRect/>
@@ -8585,7 +7131,7 @@
           <p:nvPr/>
         </p:nvPicPr>
         <p:blipFill>
-          <a:blip r:embed="rId2"/>
+          <a:blip r:embed="rId2" cstate="print"/>
           <a:srcRect/>
           <a:stretch>
             <a:fillRect/>
@@ -9374,7 +7920,7 @@
           <p:nvPr/>
         </p:nvPicPr>
         <p:blipFill>
-          <a:blip r:embed="rId2"/>
+          <a:blip r:embed="rId2" cstate="print"/>
           <a:srcRect/>
           <a:stretch>
             <a:fillRect/>
@@ -9565,7 +8111,7 @@
           <p:nvPr/>
         </p:nvPicPr>
         <p:blipFill>
-          <a:blip r:embed="rId3"/>
+          <a:blip r:embed="rId3" cstate="print"/>
           <a:srcRect/>
           <a:stretch>
             <a:fillRect/>
@@ -9598,7 +8144,7 @@
           <p:nvPr/>
         </p:nvPicPr>
         <p:blipFill>
-          <a:blip r:embed="rId4"/>
+          <a:blip r:embed="rId4" cstate="print"/>
           <a:srcRect/>
           <a:stretch>
             <a:fillRect/>
@@ -9772,15 +8318,7 @@
                   <a:schemeClr val="accent1"/>
                 </a:solidFill>
               </a:rPr>
-              <a:t>b</a:t>
-            </a:r>
-            <a:r>
-              <a:rPr lang="de-DE" dirty="0" smtClean="0">
-                <a:solidFill>
-                  <a:schemeClr val="accent1"/>
-                </a:solidFill>
-              </a:rPr>
-              <a:t>leiben natürlich alle Adressen</a:t>
+              <a:t>bleiben natürlich alle Adressen</a:t>
             </a:r>
             <a:br>
               <a:rPr lang="de-DE" dirty="0" smtClean="0">
@@ -10856,7 +9394,7 @@
           </p:nvPr>
         </p:nvPicPr>
         <p:blipFill>
-          <a:blip r:embed="rId2"/>
+          <a:blip r:embed="rId2" cstate="print"/>
           <a:srcRect/>
           <a:stretch>
             <a:fillRect/>
